--- a/Cascon-Resources/Presentation/CASCON-2024.pptx
+++ b/Cascon-Resources/Presentation/CASCON-2024.pptx
@@ -275,7 +275,7 @@
           <a:p>
             <a:fld id="{7ADF5E1D-CDC0-D041-90B7-52066E1D348A}" type="datetime1">
               <a:rPr lang="en-CA" smtClean="0"/>
-              <a:t>2024-11-07</a:t>
+              <a:t>2024-11-10</a:t>
             </a:fld>
             <a:endParaRPr lang="en-US"/>
           </a:p>
@@ -441,7 +441,7 @@
           <a:p>
             <a:fld id="{25EC8793-16AD-BA4F-86CF-54F28A3A940A}" type="datetime1">
               <a:rPr lang="en-CA" smtClean="0"/>
-              <a:t>2024-11-07</a:t>
+              <a:t>2024-11-10</a:t>
             </a:fld>
             <a:endParaRPr lang="en-US"/>
           </a:p>
@@ -1192,6 +1192,90 @@
           <a:p>
             <a:fld id="{5FBBEF49-62E6-C448-A88E-882C2ED7F255}" type="slidenum">
               <a:rPr lang="en-US" smtClean="0"/>
+              <a:t>9</a:t>
+            </a:fld>
+            <a:endParaRPr lang="en-US"/>
+          </a:p>
+        </p:txBody>
+      </p:sp>
+    </p:spTree>
+    <p:extLst>
+      <p:ext uri="{BB962C8B-B14F-4D97-AF65-F5344CB8AC3E}">
+        <p14:creationId xmlns:p14="http://schemas.microsoft.com/office/powerpoint/2010/main" val="3457010631"/>
+      </p:ext>
+    </p:extLst>
+  </p:cSld>
+  <p:clrMapOvr>
+    <a:masterClrMapping/>
+  </p:clrMapOvr>
+</p:notes>
+</file>
+
+<file path=ppt/notesSlides/notesSlide4.xml><?xml version="1.0" encoding="utf-8"?>
+<p:notes xmlns:a="http://schemas.openxmlformats.org/drawingml/2006/main" xmlns:r="http://schemas.openxmlformats.org/officeDocument/2006/relationships" xmlns:p="http://schemas.openxmlformats.org/presentationml/2006/main">
+  <p:cSld>
+    <p:spTree>
+      <p:nvGrpSpPr>
+        <p:cNvPr id="1" name=""/>
+        <p:cNvGrpSpPr/>
+        <p:nvPr/>
+      </p:nvGrpSpPr>
+      <p:grpSpPr>
+        <a:xfrm>
+          <a:off x="0" y="0"/>
+          <a:ext cx="0" cy="0"/>
+          <a:chOff x="0" y="0"/>
+          <a:chExt cx="0" cy="0"/>
+        </a:xfrm>
+      </p:grpSpPr>
+      <p:sp>
+        <p:nvSpPr>
+          <p:cNvPr id="2" name="Slide Image Placeholder 1"/>
+          <p:cNvSpPr>
+            <a:spLocks noGrp="1" noRot="1" noChangeAspect="1"/>
+          </p:cNvSpPr>
+          <p:nvPr>
+            <p:ph type="sldImg"/>
+          </p:nvPr>
+        </p:nvSpPr>
+        <p:spPr/>
+      </p:sp>
+      <p:sp>
+        <p:nvSpPr>
+          <p:cNvPr id="3" name="Notes Placeholder 2"/>
+          <p:cNvSpPr>
+            <a:spLocks noGrp="1"/>
+          </p:cNvSpPr>
+          <p:nvPr>
+            <p:ph type="body" idx="1"/>
+          </p:nvPr>
+        </p:nvSpPr>
+        <p:spPr/>
+        <p:txBody>
+          <a:bodyPr/>
+          <a:lstStyle/>
+          <a:p>
+            <a:endParaRPr lang="en-US" dirty="0"/>
+          </a:p>
+        </p:txBody>
+      </p:sp>
+      <p:sp>
+        <p:nvSpPr>
+          <p:cNvPr id="4" name="Slide Number Placeholder 3"/>
+          <p:cNvSpPr>
+            <a:spLocks noGrp="1"/>
+          </p:cNvSpPr>
+          <p:nvPr>
+            <p:ph type="sldNum" sz="quarter" idx="5"/>
+          </p:nvPr>
+        </p:nvSpPr>
+        <p:spPr/>
+        <p:txBody>
+          <a:bodyPr/>
+          <a:lstStyle/>
+          <a:p>
+            <a:fld id="{5FBBEF49-62E6-C448-A88E-882C2ED7F255}" type="slidenum">
+              <a:rPr lang="en-US" smtClean="0"/>
               <a:t>23</a:t>
             </a:fld>
             <a:endParaRPr lang="en-US"/>
@@ -1211,7 +1295,7 @@
 </p:notes>
 </file>
 
-<file path=ppt/notesSlides/notesSlide4.xml><?xml version="1.0" encoding="utf-8"?>
+<file path=ppt/notesSlides/notesSlide5.xml><?xml version="1.0" encoding="utf-8"?>
 <p:notes xmlns:a="http://schemas.openxmlformats.org/drawingml/2006/main" xmlns:r="http://schemas.openxmlformats.org/officeDocument/2006/relationships" xmlns:p="http://schemas.openxmlformats.org/presentationml/2006/main">
   <p:cSld>
     <p:spTree>
@@ -3099,17 +3183,6 @@
             </a:pPr>
             <a:r>
               <a:rPr lang="en-US" sz="1800" dirty="0"/>
-              <a:t>Analytics Everywhere Lab</a:t>
-            </a:r>
-          </a:p>
-          <a:p>
-            <a:pPr algn="r">
-              <a:spcBef>
-                <a:spcPts val="0"/>
-              </a:spcBef>
-            </a:pPr>
-            <a:r>
-              <a:rPr lang="en-US" sz="1800" dirty="0"/>
               <a:t>Faculty of Computer Science </a:t>
             </a:r>
           </a:p>
@@ -3576,7 +3649,19 @@
           <a:p>
             <a:r>
               <a:rPr lang="en-US" dirty="0"/>
-              <a:t>Linguistic patterns and antipatterns</a:t>
+              <a:t>Linguistic </a:t>
+            </a:r>
+            <a:r>
+              <a:rPr lang="en-US" dirty="0">
+                <a:solidFill>
+                  <a:srgbClr val="00B050"/>
+                </a:solidFill>
+              </a:rPr>
+              <a:t>patterns</a:t>
+            </a:r>
+            <a:r>
+              <a:rPr lang="en-US" dirty="0"/>
+              <a:t> and antipatterns</a:t>
             </a:r>
           </a:p>
         </p:txBody>
@@ -5083,8 +5168,8 @@
         </p:blipFill>
         <p:spPr>
           <a:xfrm>
-            <a:off x="1993132" y="1417638"/>
-            <a:ext cx="5157735" cy="4405313"/>
+            <a:off x="1386112" y="1272492"/>
+            <a:ext cx="6126480" cy="5232740"/>
           </a:xfrm>
         </p:spPr>
       </p:pic>
@@ -6066,7 +6151,7 @@
         </p:spPr>
         <p:txBody>
           <a:bodyPr vert="horz" lIns="91440" tIns="45720" rIns="91440" bIns="45720" rtlCol="0" anchor="t">
-            <a:normAutofit/>
+            <a:normAutofit fontScale="92500" lnSpcReduction="10000"/>
           </a:bodyPr>
           <a:lstStyle/>
           <a:p>
@@ -6137,6 +6222,20 @@
             <a:r>
               <a:rPr lang="en-US" b="0" dirty="0"/>
               <a:t>Findings</a:t>
+            </a:r>
+          </a:p>
+          <a:p>
+            <a:pPr>
+              <a:spcBef>
+                <a:spcPts val="600"/>
+              </a:spcBef>
+              <a:spcAft>
+                <a:spcPts val="600"/>
+              </a:spcAft>
+            </a:pPr>
+            <a:r>
+              <a:rPr lang="en-US" b="0" dirty="0"/>
+              <a:t>Implications for Developers</a:t>
             </a:r>
           </a:p>
           <a:p>
@@ -6881,8 +6980,8 @@
         </p:nvSpPr>
         <p:spPr>
           <a:xfrm>
-            <a:off x="527050" y="1226343"/>
-            <a:ext cx="8089900" cy="5100565"/>
+            <a:off x="527050" y="1654630"/>
+            <a:ext cx="8089900" cy="4120734"/>
           </a:xfrm>
         </p:spPr>
         <p:txBody>
@@ -6897,7 +6996,26 @@
                 <a:ea typeface="Calibri"/>
                 <a:cs typeface="Calibri"/>
               </a:rPr>
-              <a:t>Developers analyze API documentation to understand and use APIs effectively.</a:t>
+              <a:t>Developers analyze APIs documentation to </a:t>
+            </a:r>
+            <a:r>
+              <a:rPr lang="en-US" sz="2600" b="0" dirty="0">
+                <a:solidFill>
+                  <a:srgbClr val="C01725"/>
+                </a:solidFill>
+                <a:latin typeface="Avenir Next"/>
+                <a:ea typeface="Calibri"/>
+                <a:cs typeface="Calibri"/>
+              </a:rPr>
+              <a:t>understand and use</a:t>
+            </a:r>
+            <a:r>
+              <a:rPr lang="en-US" sz="2600" b="0" dirty="0">
+                <a:latin typeface="Avenir Next"/>
+                <a:ea typeface="Calibri"/>
+                <a:cs typeface="Calibri"/>
+              </a:rPr>
+              <a:t> them effectively.</a:t>
             </a:r>
           </a:p>
           <a:p>
@@ -6918,6 +7036,9 @@
             </a:r>
           </a:p>
           <a:p>
+            <a:pPr marL="0" indent="0">
+              <a:buNone/>
+            </a:pPr>
             <a:endParaRPr lang="en-US" sz="1400" b="0" dirty="0">
               <a:latin typeface="Avenir Next"/>
               <a:ea typeface="Calibri"/>
@@ -6931,24 +7052,26 @@
                 <a:ea typeface="Calibri"/>
                 <a:cs typeface="Calibri"/>
               </a:rPr>
-              <a:t>Our study identify and provide empirical evidence of linguistic antipatterns in APIs of distributed systems and microservices. </a:t>
-            </a:r>
-          </a:p>
-          <a:p>
-            <a:endParaRPr lang="en-US" sz="1400" b="0" dirty="0">
-              <a:latin typeface="Avenir Next"/>
-              <a:ea typeface="Calibri"/>
-              <a:cs typeface="Calibri"/>
-            </a:endParaRPr>
-          </a:p>
-          <a:p>
+              <a:t>API developers can use our findings to </a:t>
+            </a:r>
+            <a:r>
+              <a:rPr lang="en-US" sz="2600" b="0" dirty="0">
+                <a:solidFill>
+                  <a:srgbClr val="D42A33"/>
+                </a:solidFill>
+                <a:latin typeface="Avenir Next"/>
+                <a:ea typeface="Calibri"/>
+                <a:cs typeface="Calibri"/>
+              </a:rPr>
+              <a:t>improve API design quality</a:t>
+            </a:r>
             <a:r>
               <a:rPr lang="en-US" sz="2600" b="0" dirty="0">
                 <a:latin typeface="Avenir Next"/>
                 <a:ea typeface="Calibri"/>
                 <a:cs typeface="Calibri"/>
               </a:rPr>
-              <a:t>API developers can use our findings to improve API design quality, enhancing user experience and attracting more consumers.</a:t>
+              <a:t>, enhancing user experience and attracting more consumers.</a:t>
             </a:r>
           </a:p>
         </p:txBody>
@@ -7072,7 +7195,19 @@
             </a:pPr>
             <a:r>
               <a:rPr lang="en-US" sz="2600" b="0" dirty="0"/>
-              <a:t>Assessed the linguistic design quality of REST and GraphQL APIs in distributed systems and microservices.</a:t>
+              <a:t>Assessed the </a:t>
+            </a:r>
+            <a:r>
+              <a:rPr lang="en-US" sz="2600" b="0" dirty="0">
+                <a:solidFill>
+                  <a:srgbClr val="D42A33"/>
+                </a:solidFill>
+              </a:rPr>
+              <a:t>linguistic design quality</a:t>
+            </a:r>
+            <a:r>
+              <a:rPr lang="en-US" sz="2600" b="0" dirty="0"/>
+              <a:t> of REST and GraphQL APIs in distributed systems and microservices.</a:t>
             </a:r>
           </a:p>
           <a:p>
@@ -7086,7 +7221,19 @@
             </a:pPr>
             <a:r>
               <a:rPr lang="en-US" sz="2600" b="0" dirty="0"/>
-              <a:t>Developed an automatic detection tool for linguistic design antipatterns.</a:t>
+              <a:t>Developed an </a:t>
+            </a:r>
+            <a:r>
+              <a:rPr lang="en-US" sz="2600" b="0" dirty="0">
+                <a:solidFill>
+                  <a:srgbClr val="D42A33"/>
+                </a:solidFill>
+              </a:rPr>
+              <a:t>automatic detection tool</a:t>
+            </a:r>
+            <a:r>
+              <a:rPr lang="en-US" sz="2600" b="0" dirty="0"/>
+              <a:t> for linguistic design antipatterns.</a:t>
             </a:r>
           </a:p>
           <a:p>
@@ -7100,7 +7247,19 @@
             </a:pPr>
             <a:r>
               <a:rPr lang="en-US" sz="2600" b="0" dirty="0"/>
-              <a:t>Identified the most common linguistic antipatterns in APIs of distributed systems and microservices.</a:t>
+              <a:t>Identified the most </a:t>
+            </a:r>
+            <a:r>
+              <a:rPr lang="en-US" sz="2600" b="0" dirty="0">
+                <a:solidFill>
+                  <a:srgbClr val="D42A33"/>
+                </a:solidFill>
+              </a:rPr>
+              <a:t>common linguistic antipatterns</a:t>
+            </a:r>
+            <a:r>
+              <a:rPr lang="en-US" sz="2600" b="0" dirty="0"/>
+              <a:t> in APIs of distributed systems and microservices.</a:t>
             </a:r>
           </a:p>
           <a:p>
@@ -8464,7 +8623,11 @@
               <a:t>Mechanisms that enable software components or microservices to </a:t>
             </a:r>
             <a:r>
-              <a:rPr lang="en-US" dirty="0"/>
+              <a:rPr lang="en-US" b="0" dirty="0">
+                <a:solidFill>
+                  <a:srgbClr val="D42A33"/>
+                </a:solidFill>
+              </a:rPr>
               <a:t>communicate</a:t>
             </a:r>
             <a:r>
@@ -8486,16 +8649,12 @@
               <a:t>Facilitate </a:t>
             </a:r>
             <a:r>
-              <a:rPr lang="en-US" dirty="0"/>
-              <a:t>functionality</a:t>
-            </a:r>
-            <a:r>
-              <a:rPr lang="en-US" b="0" dirty="0"/>
-              <a:t> </a:t>
-            </a:r>
-            <a:r>
-              <a:rPr lang="en-US" dirty="0"/>
-              <a:t>exposure</a:t>
+              <a:rPr lang="en-US" b="0" dirty="0">
+                <a:solidFill>
+                  <a:srgbClr val="D42A33"/>
+                </a:solidFill>
+              </a:rPr>
+              <a:t>functionality exposure</a:t>
             </a:r>
             <a:r>
               <a:rPr lang="en-US" b="0" dirty="0"/>
@@ -9091,7 +9250,19 @@
           <a:p>
             <a:r>
               <a:rPr lang="en-US" b="0" dirty="0"/>
-              <a:t>Well-Designed APIs (Patterns)</a:t>
+              <a:t>Well-Designed APIs (</a:t>
+            </a:r>
+            <a:r>
+              <a:rPr lang="en-US" b="0" dirty="0">
+                <a:solidFill>
+                  <a:srgbClr val="00B050"/>
+                </a:solidFill>
+              </a:rPr>
+              <a:t>Patterns</a:t>
+            </a:r>
+            <a:r>
+              <a:rPr lang="en-US" b="0" dirty="0"/>
+              <a:t>)</a:t>
             </a:r>
             <a:endParaRPr lang="en-US" dirty="0"/>
           </a:p>
@@ -9162,7 +9333,19 @@
           <a:p>
             <a:r>
               <a:rPr lang="en-US" b="0" dirty="0"/>
-              <a:t>Poorly Designed APIs (Antipatterns)</a:t>
+              <a:t>Poorly Designed APIs (</a:t>
+            </a:r>
+            <a:r>
+              <a:rPr lang="en-US" b="0" dirty="0">
+                <a:solidFill>
+                  <a:srgbClr val="D42A33"/>
+                </a:solidFill>
+              </a:rPr>
+              <a:t>Antipatterns</a:t>
+            </a:r>
+            <a:r>
+              <a:rPr lang="en-US" b="0" dirty="0"/>
+              <a:t>)</a:t>
             </a:r>
             <a:endParaRPr lang="en-US" dirty="0"/>
           </a:p>
@@ -9661,14 +9844,14 @@
             <p:ph sz="quarter" idx="11"/>
             <p:extLst>
               <p:ext uri="{D42A27DB-BD31-4B8C-83A1-F6EECF244321}">
-                <p14:modId xmlns:p14="http://schemas.microsoft.com/office/powerpoint/2010/main" val="793270977"/>
+                <p14:modId xmlns:p14="http://schemas.microsoft.com/office/powerpoint/2010/main" val="262113642"/>
               </p:ext>
             </p:extLst>
           </p:nvPr>
         </p:nvGraphicFramePr>
         <p:xfrm>
           <a:off x="749300" y="1878375"/>
-          <a:ext cx="8394700" cy="1312818"/>
+          <a:ext cx="8394700" cy="1373778"/>
         </p:xfrm>
         <a:graphic>
           <a:graphicData uri="http://schemas.openxmlformats.org/drawingml/2006/table">
@@ -9693,7 +9876,7 @@
                     <a:p>
                       <a:pPr algn="l" rtl="0" fontAlgn="base"/>
                       <a:r>
-                        <a:rPr lang="en-US" sz="2800" b="1" i="0" dirty="0">
+                        <a:rPr lang="en-US" sz="3200" b="0" i="0" dirty="0">
                           <a:solidFill>
                             <a:srgbClr val="FF0000"/>
                           </a:solidFill>
@@ -9758,7 +9941,7 @@
                     <a:p>
                       <a:pPr algn="l" rtl="0" fontAlgn="base"/>
                       <a:r>
-                        <a:rPr lang="en-US" sz="2800" b="0" i="0" dirty="0">
+                        <a:rPr lang="en-US" sz="3200" b="0" i="0" dirty="0">
                           <a:solidFill>
                             <a:srgbClr val="000000"/>
                           </a:solidFill>
@@ -9768,7 +9951,7 @@
                         <a:t> /</a:t>
                       </a:r>
                       <a:r>
-                        <a:rPr lang="en-US" sz="2800" b="0" i="0" dirty="0">
+                        <a:rPr lang="en-US" sz="3200" b="0" i="0" dirty="0">
                           <a:solidFill>
                             <a:srgbClr val="4E95D9"/>
                           </a:solidFill>
@@ -9778,7 +9961,7 @@
                         <a:t>newspapers</a:t>
                       </a:r>
                       <a:r>
-                        <a:rPr lang="en-US" sz="2800" b="0" i="0" dirty="0">
+                        <a:rPr lang="en-US" sz="3200" b="0" i="0" dirty="0">
                           <a:solidFill>
                             <a:srgbClr val="000000"/>
                           </a:solidFill>
@@ -9788,7 +9971,7 @@
                         <a:t>/</a:t>
                       </a:r>
                       <a:r>
-                        <a:rPr lang="en-US" sz="2800" b="0" i="0" dirty="0">
+                        <a:rPr lang="en-US" sz="3200" b="0" i="0" dirty="0">
                           <a:solidFill>
                             <a:srgbClr val="3A7D23"/>
                           </a:solidFill>
@@ -9798,7 +9981,7 @@
                         <a:t>planet</a:t>
                       </a:r>
                       <a:r>
-                        <a:rPr lang="en-US" sz="2800" b="0" i="0" dirty="0">
+                        <a:rPr lang="en-US" sz="3200" b="0" i="0" dirty="0">
                           <a:solidFill>
                             <a:srgbClr val="000000"/>
                           </a:solidFill>
@@ -9808,7 +9991,7 @@
                         <a:t>/</a:t>
                       </a:r>
                       <a:r>
-                        <a:rPr lang="en-US" sz="2800" b="0" i="0" dirty="0">
+                        <a:rPr lang="en-US" sz="3200" b="0" i="0" dirty="0">
                           <a:solidFill>
                             <a:srgbClr val="C04F15"/>
                           </a:solidFill>
@@ -9818,7 +10001,7 @@
                         <a:t>players</a:t>
                       </a:r>
                       <a:r>
-                        <a:rPr lang="en-US" sz="2800" b="0" i="0" dirty="0">
+                        <a:rPr lang="en-US" sz="3200" b="0" i="0" dirty="0">
                           <a:solidFill>
                             <a:srgbClr val="000000"/>
                           </a:solidFill>
@@ -9918,14 +10101,14 @@
           <p:nvPr>
             <p:extLst>
               <p:ext uri="{D42A27DB-BD31-4B8C-83A1-F6EECF244321}">
-                <p14:modId xmlns:p14="http://schemas.microsoft.com/office/powerpoint/2010/main" val="112696160"/>
+                <p14:modId xmlns:p14="http://schemas.microsoft.com/office/powerpoint/2010/main" val="4162874215"/>
               </p:ext>
             </p:extLst>
           </p:nvPr>
         </p:nvGraphicFramePr>
         <p:xfrm>
           <a:off x="749300" y="3715430"/>
-          <a:ext cx="7175500" cy="1193800"/>
+          <a:ext cx="8104414" cy="1193800"/>
         </p:xfrm>
         <a:graphic>
           <a:graphicData uri="http://schemas.openxmlformats.org/drawingml/2006/table">
@@ -9934,7 +10117,7 @@
                 <a:tableStyleId>{5C22544A-7EE6-4342-B048-85BDC9FD1C3A}</a:tableStyleId>
               </a:tblPr>
               <a:tblGrid>
-                <a:gridCol w="7175500">
+                <a:gridCol w="8104414">
                   <a:extLst>
                     <a:ext uri="{9D8B030D-6E8A-4147-A177-3AD203B41FA5}">
                       <a16:colId xmlns:a16="http://schemas.microsoft.com/office/drawing/2014/main" val="1207282788"/>
@@ -9950,7 +10133,7 @@
                     <a:p>
                       <a:pPr algn="l" rtl="0" fontAlgn="base"/>
                       <a:r>
-                        <a:rPr lang="en-US" sz="2800" b="1" i="0" dirty="0">
+                        <a:rPr lang="en-US" sz="3200" b="0" i="0" dirty="0">
                           <a:solidFill>
                             <a:srgbClr val="00B050"/>
                           </a:solidFill>
@@ -10015,7 +10198,7 @@
                     <a:p>
                       <a:pPr algn="l" rtl="0" fontAlgn="base"/>
                       <a:r>
-                        <a:rPr lang="en-US" sz="2800" b="0" i="0" dirty="0">
+                        <a:rPr lang="en-US" sz="3200" b="0" i="0" dirty="0">
                           <a:solidFill>
                             <a:srgbClr val="000000"/>
                           </a:solidFill>
@@ -10025,7 +10208,7 @@
                         <a:t> /</a:t>
                       </a:r>
                       <a:r>
-                        <a:rPr lang="en-US" sz="2800" b="0" i="0" dirty="0">
+                        <a:rPr lang="en-US" sz="3200" b="0" i="0" dirty="0">
                           <a:solidFill>
                             <a:srgbClr val="3A7D23"/>
                           </a:solidFill>
@@ -10035,7 +10218,7 @@
                         <a:t>soccer</a:t>
                       </a:r>
                       <a:r>
-                        <a:rPr lang="en-US" sz="2800" b="0" i="0" dirty="0">
+                        <a:rPr lang="en-US" sz="3200" b="0" i="0" dirty="0">
                           <a:solidFill>
                             <a:srgbClr val="000000"/>
                           </a:solidFill>
@@ -10045,7 +10228,7 @@
                         <a:t>/</a:t>
                       </a:r>
                       <a:r>
-                        <a:rPr lang="en-US" sz="2800" b="0" i="0" dirty="0">
+                        <a:rPr lang="en-US" sz="3200" b="0" i="0" dirty="0">
                           <a:solidFill>
                             <a:srgbClr val="3A7D23"/>
                           </a:solidFill>
@@ -10055,7 +10238,7 @@
                         <a:t>team</a:t>
                       </a:r>
                       <a:r>
-                        <a:rPr lang="en-US" sz="2800" b="0" i="0" dirty="0">
+                        <a:rPr lang="en-US" sz="3200" b="0" i="0" dirty="0">
                           <a:solidFill>
                             <a:srgbClr val="000000"/>
                           </a:solidFill>
@@ -10065,7 +10248,7 @@
                         <a:t>/ </a:t>
                       </a:r>
                       <a:r>
-                        <a:rPr lang="en-US" sz="2800" b="0" i="0" dirty="0">
+                        <a:rPr lang="en-US" sz="3200" b="0" i="0" dirty="0">
                           <a:solidFill>
                             <a:srgbClr val="3A7D23"/>
                           </a:solidFill>
@@ -10074,7 +10257,7 @@
                         </a:rPr>
                         <a:t>players</a:t>
                       </a:r>
-                      <a:endParaRPr lang="en-US" sz="2800" b="0" i="0" dirty="0">
+                      <a:endParaRPr lang="en-US" sz="3200" b="0" i="0" dirty="0">
                         <a:solidFill>
                           <a:srgbClr val="000000"/>
                         </a:solidFill>
@@ -10297,14 +10480,14 @@
             <p:ph sz="quarter" idx="11"/>
             <p:extLst>
               <p:ext uri="{D42A27DB-BD31-4B8C-83A1-F6EECF244321}">
-                <p14:modId xmlns:p14="http://schemas.microsoft.com/office/powerpoint/2010/main" val="1405084401"/>
+                <p14:modId xmlns:p14="http://schemas.microsoft.com/office/powerpoint/2010/main" val="3606792282"/>
               </p:ext>
             </p:extLst>
           </p:nvPr>
         </p:nvGraphicFramePr>
         <p:xfrm>
           <a:off x="460814" y="1562100"/>
-          <a:ext cx="8683186" cy="1866900"/>
+          <a:ext cx="8683186" cy="1927860"/>
         </p:xfrm>
         <a:graphic>
           <a:graphicData uri="http://schemas.openxmlformats.org/drawingml/2006/table">
@@ -10329,7 +10512,7 @@
                     <a:p>
                       <a:pPr algn="l" rtl="0" fontAlgn="base"/>
                       <a:r>
-                        <a:rPr lang="en-US" sz="2800" b="1" i="0" dirty="0">
+                        <a:rPr lang="en-US" sz="3200" b="0" i="0" dirty="0">
                           <a:solidFill>
                             <a:srgbClr val="FF0000"/>
                           </a:solidFill>
@@ -10394,16 +10577,6 @@
                     <a:p>
                       <a:pPr algn="l" rtl="0" fontAlgn="base"/>
                       <a:r>
-                        <a:rPr lang="en-US" sz="2800" b="1" i="0" dirty="0">
-                          <a:solidFill>
-                            <a:srgbClr val="000000"/>
-                          </a:solidFill>
-                          <a:effectLst/>
-                          <a:latin typeface="Aptos"/>
-                        </a:rPr>
-                        <a:t>Endpoint</a:t>
-                      </a:r>
-                      <a:r>
                         <a:rPr lang="en-US" sz="2800" b="0" i="0" dirty="0">
                           <a:solidFill>
                             <a:srgbClr val="000000"/>
@@ -10411,7 +10584,7 @@
                           <a:effectLst/>
                           <a:latin typeface="Aptos"/>
                         </a:rPr>
-                        <a:t>: </a:t>
+                        <a:t>Endpoint: </a:t>
                       </a:r>
                       <a:r>
                         <a:rPr lang="en-US" sz="2800" b="0" i="0" dirty="0">
@@ -10427,16 +10600,6 @@
                     <a:p>
                       <a:pPr algn="l" rtl="0" fontAlgn="base"/>
                       <a:r>
-                        <a:rPr lang="en-US" sz="2800" b="1" i="0" dirty="0">
-                          <a:solidFill>
-                            <a:srgbClr val="000000"/>
-                          </a:solidFill>
-                          <a:effectLst/>
-                          <a:latin typeface="Aptos"/>
-                        </a:rPr>
-                        <a:t>Description</a:t>
-                      </a:r>
-                      <a:r>
                         <a:rPr lang="en-US" sz="2800" b="0" i="0" dirty="0">
                           <a:solidFill>
                             <a:srgbClr val="000000"/>
@@ -10444,7 +10607,7 @@
                           <a:effectLst/>
                           <a:latin typeface="Aptos"/>
                         </a:rPr>
-                        <a:t>: "The name of this resource is listed in different languages"</a:t>
+                        <a:t>Description: "The name of this resource is listed in different languages."</a:t>
                       </a:r>
                     </a:p>
                   </a:txBody>
@@ -10537,7 +10700,7 @@
           <p:nvPr>
             <p:extLst>
               <p:ext uri="{D42A27DB-BD31-4B8C-83A1-F6EECF244321}">
-                <p14:modId xmlns:p14="http://schemas.microsoft.com/office/powerpoint/2010/main" val="3763735995"/>
+                <p14:modId xmlns:p14="http://schemas.microsoft.com/office/powerpoint/2010/main" val="2946928761"/>
               </p:ext>
             </p:extLst>
           </p:nvPr>
@@ -10569,7 +10732,7 @@
                     <a:p>
                       <a:pPr algn="l" rtl="0" fontAlgn="base"/>
                       <a:r>
-                        <a:rPr lang="en-US" sz="2800" b="1" i="0" dirty="0">
+                        <a:rPr lang="en-US" sz="3200" b="0" i="0" dirty="0">
                           <a:solidFill>
                             <a:srgbClr val="00B050"/>
                           </a:solidFill>
@@ -10634,16 +10797,6 @@
                     <a:p>
                       <a:pPr algn="l" rtl="0" fontAlgn="base"/>
                       <a:r>
-                        <a:rPr lang="en-US" sz="2800" b="1" i="0" dirty="0">
-                          <a:solidFill>
-                            <a:srgbClr val="000000"/>
-                          </a:solidFill>
-                          <a:effectLst/>
-                          <a:latin typeface="Aptos"/>
-                        </a:rPr>
-                        <a:t>Endpoint</a:t>
-                      </a:r>
-                      <a:r>
                         <a:rPr lang="en-US" sz="2800" b="0" i="0" dirty="0">
                           <a:solidFill>
                             <a:srgbClr val="000000"/>
@@ -10651,7 +10804,7 @@
                           <a:effectLst/>
                           <a:latin typeface="Aptos"/>
                         </a:rPr>
-                        <a:t>: </a:t>
+                        <a:t>Endpoint: </a:t>
                       </a:r>
                       <a:r>
                         <a:rPr lang="en-US" sz="2800" b="0" i="0" kern="1200" dirty="0">
@@ -10669,16 +10822,6 @@
                     <a:p>
                       <a:pPr algn="l" rtl="0" fontAlgn="base"/>
                       <a:r>
-                        <a:rPr lang="en-US" sz="2800" b="1" i="0" dirty="0">
-                          <a:solidFill>
-                            <a:srgbClr val="000000"/>
-                          </a:solidFill>
-                          <a:effectLst/>
-                          <a:latin typeface="Aptos"/>
-                        </a:rPr>
-                        <a:t>Description</a:t>
-                      </a:r>
-                      <a:r>
                         <a:rPr lang="en-US" sz="2800" b="0" i="0" dirty="0">
                           <a:solidFill>
                             <a:srgbClr val="000000"/>
@@ -10686,7 +10829,7 @@
                           <a:effectLst/>
                           <a:latin typeface="Aptos"/>
                         </a:rPr>
-                        <a:t>: "A list of the berries with this firmness."</a:t>
+                        <a:t>Description: "A list of the berries with this firmness."</a:t>
                       </a:r>
                     </a:p>
                   </a:txBody>

--- a/Cascon-Resources/Presentation/CASCON-2024.pptx
+++ b/Cascon-Resources/Presentation/CASCON-2024.pptx
@@ -275,7 +275,7 @@
           <a:p>
             <a:fld id="{7ADF5E1D-CDC0-D041-90B7-52066E1D348A}" type="datetime1">
               <a:rPr lang="en-CA" smtClean="0"/>
-              <a:t>2024-11-10</a:t>
+              <a:t>2024-11-12</a:t>
             </a:fld>
             <a:endParaRPr lang="en-US"/>
           </a:p>
@@ -441,7 +441,7 @@
           <a:p>
             <a:fld id="{25EC8793-16AD-BA4F-86CF-54F28A3A940A}" type="datetime1">
               <a:rPr lang="en-CA" smtClean="0"/>
-              <a:t>2024-11-10</a:t>
+              <a:t>2024-11-12</a:t>
             </a:fld>
             <a:endParaRPr lang="en-US"/>
           </a:p>
@@ -4449,7 +4449,19 @@
             </a:pPr>
             <a:r>
               <a:rPr lang="en-US" b="0" dirty="0"/>
-              <a:t>Assess the linguistic design quality of REST and GraphQL APIs in distributed systems and microservices.</a:t>
+              <a:t>Assess the </a:t>
+            </a:r>
+            <a:r>
+              <a:rPr lang="en-US" b="0" dirty="0">
+                <a:solidFill>
+                  <a:srgbClr val="C01725"/>
+                </a:solidFill>
+              </a:rPr>
+              <a:t>linguistic design quality of REST and GraphQL APIs</a:t>
+            </a:r>
+            <a:r>
+              <a:rPr lang="en-US" b="0" dirty="0"/>
+              <a:t> in distributed systems and microservices.</a:t>
             </a:r>
           </a:p>
           <a:p>
@@ -4479,7 +4491,19 @@
             </a:pPr>
             <a:r>
               <a:rPr lang="en-US" b="0" dirty="0"/>
-              <a:t>Find empirical evidence of linguistic antipatterns in APIs of distributed systems and microservices.</a:t>
+              <a:t>Find </a:t>
+            </a:r>
+            <a:r>
+              <a:rPr lang="en-US" b="0" dirty="0">
+                <a:solidFill>
+                  <a:srgbClr val="D42A33"/>
+                </a:solidFill>
+              </a:rPr>
+              <a:t>empirical evidence</a:t>
+            </a:r>
+            <a:r>
+              <a:rPr lang="en-US" b="0" dirty="0"/>
+              <a:t> of linguistic antipatterns in APIs of distributed systems and microservices.</a:t>
             </a:r>
           </a:p>
           <a:p>
@@ -4493,7 +4517,19 @@
             </a:pPr>
             <a:r>
               <a:rPr lang="en-US" b="0" dirty="0"/>
-              <a:t>Identify the most prevalent linguistic antipatterns in APIs of distributed systems and microservices.</a:t>
+              <a:t>Identify the most </a:t>
+            </a:r>
+            <a:r>
+              <a:rPr lang="en-US" b="0" dirty="0">
+                <a:solidFill>
+                  <a:srgbClr val="C01725"/>
+                </a:solidFill>
+              </a:rPr>
+              <a:t>prevalent linguistic antipatterns</a:t>
+            </a:r>
+            <a:r>
+              <a:rPr lang="en-US" b="0" dirty="0"/>
+              <a:t> in APIs of distributed systems and microservices.</a:t>
             </a:r>
           </a:p>
         </p:txBody>
@@ -4523,6 +4559,9 @@
         </p:txBody>
       </p:sp>
     </p:spTree>
+    <p:custDataLst>
+      <p:tags r:id="rId1"/>
+    </p:custDataLst>
     <p:extLst>
       <p:ext uri="{BB962C8B-B14F-4D97-AF65-F5344CB8AC3E}">
         <p14:creationId xmlns:p14="http://schemas.microsoft.com/office/powerpoint/2010/main" val="939337000"/>
@@ -4767,7 +4806,19 @@
             </a:r>
             <a:r>
               <a:rPr lang="en-US" b="0" dirty="0"/>
-              <a:t> To what extent do the APIs in distributed systems and microservices suffer from poor design?</a:t>
+              <a:t> To what extent do the APIs in distributed systems and microservices </a:t>
+            </a:r>
+            <a:r>
+              <a:rPr lang="en-US" b="0" dirty="0">
+                <a:solidFill>
+                  <a:srgbClr val="D42A33"/>
+                </a:solidFill>
+              </a:rPr>
+              <a:t>suffer from poor design</a:t>
+            </a:r>
+            <a:r>
+              <a:rPr lang="en-US" b="0" dirty="0"/>
+              <a:t>?</a:t>
             </a:r>
           </a:p>
           <a:p>
@@ -4785,7 +4836,19 @@
             </a:r>
             <a:r>
               <a:rPr lang="en-US" b="0" dirty="0"/>
-              <a:t> What is the accuracy of the detection heuristics of linguistic patterns and antipatterns?</a:t>
+              <a:t> What is the </a:t>
+            </a:r>
+            <a:r>
+              <a:rPr lang="en-US" b="0" dirty="0">
+                <a:solidFill>
+                  <a:srgbClr val="C01725"/>
+                </a:solidFill>
+              </a:rPr>
+              <a:t>accuracy</a:t>
+            </a:r>
+            <a:r>
+              <a:rPr lang="en-US" b="0" dirty="0"/>
+              <a:t> of the detection heuristics of linguistic patterns and antipatterns?</a:t>
             </a:r>
           </a:p>
           <a:p>
@@ -4803,7 +4866,31 @@
             </a:r>
             <a:r>
               <a:rPr lang="en-US" b="0" dirty="0"/>
-              <a:t> Which API category in distributed systems and microservices is more prone to poor linguistic design?</a:t>
+              <a:t> Which</a:t>
+            </a:r>
+            <a:r>
+              <a:rPr lang="en-US" b="0" dirty="0">
+                <a:solidFill>
+                  <a:srgbClr val="D42A33"/>
+                </a:solidFill>
+              </a:rPr>
+              <a:t> API category </a:t>
+            </a:r>
+            <a:r>
+              <a:rPr lang="en-US" b="0" dirty="0"/>
+              <a:t>in distributed systems and microservices is more </a:t>
+            </a:r>
+            <a:r>
+              <a:rPr lang="en-US" b="0" dirty="0">
+                <a:solidFill>
+                  <a:srgbClr val="C01725"/>
+                </a:solidFill>
+              </a:rPr>
+              <a:t>prone to poor linguistic design</a:t>
+            </a:r>
+            <a:r>
+              <a:rPr lang="en-US" b="0" dirty="0"/>
+              <a:t>?</a:t>
             </a:r>
           </a:p>
           <a:p>
@@ -4821,7 +4908,19 @@
             </a:r>
             <a:r>
               <a:rPr lang="en-US" b="0" dirty="0"/>
-              <a:t> Which linguistic patterns and antipatterns are most common in APIs of distributed systems and microservices?</a:t>
+              <a:t> Which linguistic patterns and antipatterns are </a:t>
+            </a:r>
+            <a:r>
+              <a:rPr lang="en-US" b="0" dirty="0">
+                <a:solidFill>
+                  <a:srgbClr val="D42A33"/>
+                </a:solidFill>
+              </a:rPr>
+              <a:t>most common</a:t>
+            </a:r>
+            <a:r>
+              <a:rPr lang="en-US" b="0" dirty="0"/>
+              <a:t> in APIs of distributed systems and microservices?</a:t>
             </a:r>
           </a:p>
         </p:txBody>
@@ -4851,6 +4950,9 @@
         </p:txBody>
       </p:sp>
     </p:spTree>
+    <p:custDataLst>
+      <p:tags r:id="rId1"/>
+    </p:custDataLst>
     <p:extLst>
       <p:ext uri="{BB962C8B-B14F-4D97-AF65-F5344CB8AC3E}">
         <p14:creationId xmlns:p14="http://schemas.microsoft.com/office/powerpoint/2010/main" val="1795242219"/>
@@ -5499,7 +5601,7 @@
             <a:r>
               <a:rPr lang="en-US" sz="2600" b="0" dirty="0">
                 <a:solidFill>
-                  <a:srgbClr val="C00000"/>
+                  <a:srgbClr val="C01725"/>
                 </a:solidFill>
                 <a:latin typeface="Avenir Next Regular"/>
               </a:rPr>
@@ -6055,9 +6157,9 @@
               <a:t>Our detection algorithms achieved an </a:t>
             </a:r>
             <a:r>
-              <a:rPr lang="en-US" sz="2600" dirty="0">
+              <a:rPr lang="en-US" sz="2600" b="0" dirty="0">
                 <a:solidFill>
-                  <a:srgbClr val="C00000"/>
+                  <a:srgbClr val="D42A33"/>
                 </a:solidFill>
               </a:rPr>
               <a:t>average accuracy of 93.08%</a:t>
@@ -6669,14 +6771,14 @@
             <a:r>
               <a:rPr lang="en-US" sz="2600" b="0" dirty="0">
                 <a:solidFill>
-                  <a:srgbClr val="C00000"/>
+                  <a:srgbClr val="C01725"/>
                 </a:solidFill>
               </a:rPr>
-              <a:t>more prevalent in REST APIs</a:t>
+              <a:t>more prevalent in REST APIs </a:t>
             </a:r>
             <a:r>
               <a:rPr lang="en-US" sz="2600" b="0" dirty="0"/>
-              <a:t> compared to GraphQL APIs. GraphQL APIs generally have better linguistic design quality, though the difference is small.</a:t>
+              <a:t>compared to GraphQL APIs. GraphQL APIs generally have better linguistic design quality, though the difference is small.</a:t>
             </a:r>
             <a:endParaRPr lang="en-US" sz="2600" dirty="0"/>
           </a:p>
@@ -6783,6 +6885,9 @@
             </a:pPr>
             <a:r>
               <a:rPr lang="en-US" sz="2600" dirty="0" err="1">
+                <a:solidFill>
+                  <a:srgbClr val="C01725"/>
+                </a:solidFill>
                 <a:latin typeface="Avenir Next"/>
                 <a:ea typeface="Calibri"/>
                 <a:cs typeface="Calibri"/>
@@ -6791,6 +6896,9 @@
             </a:r>
             <a:r>
               <a:rPr lang="en-US" sz="2600" dirty="0">
+                <a:solidFill>
+                  <a:srgbClr val="C01725"/>
+                </a:solidFill>
                 <a:latin typeface="Avenir Next"/>
                 <a:ea typeface="Calibri"/>
                 <a:cs typeface="Calibri"/>
@@ -6798,6 +6906,9 @@
               <a:t> Endpoint</a:t>
             </a:r>
             <a:endParaRPr lang="en-US" sz="2600" dirty="0">
+              <a:solidFill>
+                <a:srgbClr val="C01725"/>
+              </a:solidFill>
               <a:ea typeface="Calibri"/>
               <a:cs typeface="Calibri"/>
             </a:endParaRPr>
@@ -7404,15 +7515,27 @@
             </a:pPr>
             <a:r>
               <a:rPr lang="en-US" sz="2600" dirty="0">
+                <a:solidFill>
+                  <a:srgbClr val="D42A33"/>
+                </a:solidFill>
                 <a:latin typeface="Avenir Next Regular"/>
               </a:rPr>
               <a:t>Enhance</a:t>
+            </a:r>
+            <a:r>
+              <a:rPr lang="en-US" sz="2600" b="0" dirty="0">
+                <a:solidFill>
+                  <a:srgbClr val="D42A33"/>
+                </a:solidFill>
+                <a:latin typeface="Avenir Next Regular"/>
+              </a:rPr>
+              <a:t> detection accuracy</a:t>
             </a:r>
             <a:r>
               <a:rPr lang="en-US" sz="2600" b="0" dirty="0">
                 <a:latin typeface="Avenir Next Regular"/>
               </a:rPr>
-              <a:t> detection accuracy and expand our analysis to cover a broader range of APIs and endpoints</a:t>
+              <a:t> and expand our analysis to cover a broader range of APIs and endpoints</a:t>
             </a:r>
             <a:r>
               <a:rPr lang="en-US" sz="2600" dirty="0">
@@ -7460,7 +7583,22 @@
               <a:rPr lang="en-US" sz="2600" b="0" dirty="0">
                 <a:latin typeface="Avenir Next Regular"/>
               </a:rPr>
-              <a:t> the linguistic design quality of APIs across public, private, and partner categories.</a:t>
+              <a:t> the linguistic design quality of APIs across </a:t>
+            </a:r>
+            <a:r>
+              <a:rPr lang="en-US" sz="2600" b="0" dirty="0">
+                <a:solidFill>
+                  <a:srgbClr val="C01725"/>
+                </a:solidFill>
+                <a:latin typeface="Avenir Next Regular"/>
+              </a:rPr>
+              <a:t>public, private, and partner</a:t>
+            </a:r>
+            <a:r>
+              <a:rPr lang="en-US" sz="2600" b="0" dirty="0">
+                <a:latin typeface="Avenir Next Regular"/>
+              </a:rPr>
+              <a:t> categories.</a:t>
             </a:r>
             <a:endParaRPr lang="en-US" sz="2600" b="0" dirty="0"/>
           </a:p>
@@ -7496,7 +7634,37 @@
               <a:rPr lang="en-US" sz="2600" b="0" dirty="0">
                 <a:latin typeface="Avenir Next Regular"/>
               </a:rPr>
-              <a:t> the impact of poor linguistic design on the understandability of APIs.</a:t>
+              <a:t> the </a:t>
+            </a:r>
+            <a:r>
+              <a:rPr lang="en-US" sz="2600" b="0" dirty="0">
+                <a:solidFill>
+                  <a:srgbClr val="C01725"/>
+                </a:solidFill>
+                <a:latin typeface="Avenir Next Regular"/>
+              </a:rPr>
+              <a:t>impact of poor linguistic design</a:t>
+            </a:r>
+            <a:r>
+              <a:rPr lang="en-US" sz="2600" b="0" dirty="0">
+                <a:latin typeface="Avenir Next Regular"/>
+              </a:rPr>
+              <a:t> on the </a:t>
+            </a:r>
+            <a:r>
+              <a:rPr lang="en-US" sz="2600" b="0" dirty="0">
+                <a:solidFill>
+                  <a:srgbClr val="D42A33"/>
+                </a:solidFill>
+                <a:latin typeface="Avenir Next Regular"/>
+              </a:rPr>
+              <a:t>understandability of APIs</a:t>
+            </a:r>
+            <a:r>
+              <a:rPr lang="en-US" sz="2600" b="0" dirty="0">
+                <a:latin typeface="Avenir Next Regular"/>
+              </a:rPr>
+              <a:t>.</a:t>
             </a:r>
             <a:endParaRPr lang="en-US" sz="2600" b="1" dirty="0">
               <a:latin typeface="Avenir Next Regular"/>
@@ -8122,7 +8290,19 @@
             </a:pPr>
             <a:r>
               <a:rPr lang="en-US" b="0" dirty="0"/>
-              <a:t>A collection of independent computers that appear as a single coherent system [1].</a:t>
+              <a:t>A </a:t>
+            </a:r>
+            <a:r>
+              <a:rPr lang="en-US" b="0" dirty="0">
+                <a:solidFill>
+                  <a:srgbClr val="D42A33"/>
+                </a:solidFill>
+              </a:rPr>
+              <a:t>collection of independent computers</a:t>
+            </a:r>
+            <a:r>
+              <a:rPr lang="en-US" b="0" dirty="0"/>
+              <a:t> that appear as a single coherent system [1].</a:t>
             </a:r>
           </a:p>
           <a:p>
@@ -8232,7 +8412,7 @@
           </p:nvPr>
         </p:nvPicPr>
         <p:blipFill>
-          <a:blip r:embed="rId3"/>
+          <a:blip r:embed="rId4"/>
           <a:srcRect r="70883"/>
           <a:stretch/>
         </p:blipFill>
@@ -8434,7 +8614,7 @@
           <p:nvPr/>
         </p:nvPicPr>
         <p:blipFill>
-          <a:blip r:embed="rId3"/>
+          <a:blip r:embed="rId4"/>
           <a:srcRect l="47131"/>
           <a:stretch/>
         </p:blipFill>
@@ -8449,6 +8629,9 @@
         </p:spPr>
       </p:pic>
     </p:spTree>
+    <p:custDataLst>
+      <p:tags r:id="rId1"/>
+    </p:custDataLst>
     <p:extLst>
       <p:ext uri="{BB962C8B-B14F-4D97-AF65-F5344CB8AC3E}">
         <p14:creationId xmlns:p14="http://schemas.microsoft.com/office/powerpoint/2010/main" val="2802331399"/>
@@ -8767,7 +8950,7 @@
           <a:lstStyle/>
           <a:p>
             <a:r>
-              <a:rPr lang="en-US"/>
+              <a:rPr lang="en-US" dirty="0"/>
               <a:t>Types of APIs</a:t>
             </a:r>
           </a:p>
@@ -8812,7 +8995,22 @@
               <a:rPr lang="en-US" sz="2400" b="0" dirty="0">
                 <a:latin typeface="Avenir Next Regular"/>
               </a:rPr>
-              <a:t>An architectural style for networked applications.</a:t>
+              <a:t>An </a:t>
+            </a:r>
+            <a:r>
+              <a:rPr lang="en-US" sz="2400" b="0" dirty="0">
+                <a:solidFill>
+                  <a:srgbClr val="C01725"/>
+                </a:solidFill>
+                <a:latin typeface="Avenir Next Regular"/>
+              </a:rPr>
+              <a:t>architectural style</a:t>
+            </a:r>
+            <a:r>
+              <a:rPr lang="en-US" sz="2400" b="0" dirty="0">
+                <a:latin typeface="Avenir Next Regular"/>
+              </a:rPr>
+              <a:t> for networked applications.</a:t>
             </a:r>
             <a:endParaRPr lang="en-US" sz="2400" dirty="0"/>
           </a:p>
@@ -8903,7 +9101,22 @@
               <a:rPr lang="en-US" sz="2400" b="0" dirty="0">
                 <a:latin typeface="Avenir Next Regular"/>
               </a:rPr>
-              <a:t>A query language </a:t>
+              <a:t>A </a:t>
+            </a:r>
+            <a:r>
+              <a:rPr lang="en-US" sz="2400" b="0" dirty="0">
+                <a:solidFill>
+                  <a:srgbClr val="D42A33"/>
+                </a:solidFill>
+                <a:latin typeface="Avenir Next Regular"/>
+              </a:rPr>
+              <a:t>query language</a:t>
+            </a:r>
+            <a:r>
+              <a:rPr lang="en-US" sz="2400" b="0" dirty="0">
+                <a:latin typeface="Avenir Next Regular"/>
+              </a:rPr>
+              <a:t> </a:t>
             </a:r>
             <a:r>
               <a:rPr lang="en-US" sz="2400" dirty="0">
@@ -9020,6 +9233,9 @@
         </p:txBody>
       </p:sp>
     </p:spTree>
+    <p:custDataLst>
+      <p:tags r:id="rId1"/>
+    </p:custDataLst>
     <p:extLst>
       <p:ext uri="{BB962C8B-B14F-4D97-AF65-F5344CB8AC3E}">
         <p14:creationId xmlns:p14="http://schemas.microsoft.com/office/powerpoint/2010/main" val="2797367770"/>
@@ -9445,7 +9661,7 @@
               <a:pPr/>
               <a:t>7</a:t>
             </a:fld>
-            <a:endParaRPr lang="en-US"/>
+            <a:endParaRPr lang="en-US" dirty="0"/>
           </a:p>
         </p:txBody>
       </p:sp>
@@ -9483,6 +9699,9 @@
         </p:txBody>
       </p:sp>
     </p:spTree>
+    <p:custDataLst>
+      <p:tags r:id="rId1"/>
+    </p:custDataLst>
     <p:extLst>
       <p:ext uri="{BB962C8B-B14F-4D97-AF65-F5344CB8AC3E}">
         <p14:creationId xmlns:p14="http://schemas.microsoft.com/office/powerpoint/2010/main" val="1426490663"/>
@@ -10317,6 +10536,9 @@
         </a:graphic>
       </p:graphicFrame>
     </p:spTree>
+    <p:custDataLst>
+      <p:tags r:id="rId1"/>
+    </p:custDataLst>
     <p:extLst>
       <p:ext uri="{BB962C8B-B14F-4D97-AF65-F5344CB8AC3E}">
         <p14:creationId xmlns:p14="http://schemas.microsoft.com/office/powerpoint/2010/main" val="2056128548"/>
@@ -10884,6 +11106,9 @@
         </a:graphic>
       </p:graphicFrame>
     </p:spTree>
+    <p:custDataLst>
+      <p:tags r:id="rId1"/>
+    </p:custDataLst>
     <p:extLst>
       <p:ext uri="{BB962C8B-B14F-4D97-AF65-F5344CB8AC3E}">
         <p14:creationId xmlns:p14="http://schemas.microsoft.com/office/powerpoint/2010/main" val="3130773016"/>
@@ -10977,6 +11202,48 @@
     </p:tnLst>
   </p:timing>
 </p:sld>
+</file>
+
+<file path=ppt/tags/tag1.xml><?xml version="1.0" encoding="utf-8"?>
+<p:tagLst xmlns:a="http://schemas.openxmlformats.org/drawingml/2006/main" xmlns:r="http://schemas.openxmlformats.org/officeDocument/2006/relationships" xmlns:p="http://schemas.openxmlformats.org/presentationml/2006/main">
+  <p:tag name="TIMING" val="|0"/>
+</p:tagLst>
+</file>
+
+<file path=ppt/tags/tag2.xml><?xml version="1.0" encoding="utf-8"?>
+<p:tagLst xmlns:a="http://schemas.openxmlformats.org/drawingml/2006/main" xmlns:r="http://schemas.openxmlformats.org/officeDocument/2006/relationships" xmlns:p="http://schemas.openxmlformats.org/presentationml/2006/main">
+  <p:tag name="TIMING" val="|0"/>
+</p:tagLst>
+</file>
+
+<file path=ppt/tags/tag3.xml><?xml version="1.0" encoding="utf-8"?>
+<p:tagLst xmlns:a="http://schemas.openxmlformats.org/drawingml/2006/main" xmlns:r="http://schemas.openxmlformats.org/officeDocument/2006/relationships" xmlns:p="http://schemas.openxmlformats.org/presentationml/2006/main">
+  <p:tag name="TIMING" val="|0.9|1.3"/>
+</p:tagLst>
+</file>
+
+<file path=ppt/tags/tag4.xml><?xml version="1.0" encoding="utf-8"?>
+<p:tagLst xmlns:a="http://schemas.openxmlformats.org/drawingml/2006/main" xmlns:r="http://schemas.openxmlformats.org/officeDocument/2006/relationships" xmlns:p="http://schemas.openxmlformats.org/presentationml/2006/main">
+  <p:tag name="TIMING" val="|1.3"/>
+</p:tagLst>
+</file>
+
+<file path=ppt/tags/tag5.xml><?xml version="1.0" encoding="utf-8"?>
+<p:tagLst xmlns:a="http://schemas.openxmlformats.org/drawingml/2006/main" xmlns:r="http://schemas.openxmlformats.org/officeDocument/2006/relationships" xmlns:p="http://schemas.openxmlformats.org/presentationml/2006/main">
+  <p:tag name="TIMING" val="|0.1"/>
+</p:tagLst>
+</file>
+
+<file path=ppt/tags/tag6.xml><?xml version="1.0" encoding="utf-8"?>
+<p:tagLst xmlns:a="http://schemas.openxmlformats.org/drawingml/2006/main" xmlns:r="http://schemas.openxmlformats.org/officeDocument/2006/relationships" xmlns:p="http://schemas.openxmlformats.org/presentationml/2006/main">
+  <p:tag name="TIMING" val="|8|1.8"/>
+</p:tagLst>
+</file>
+
+<file path=ppt/tags/tag7.xml><?xml version="1.0" encoding="utf-8"?>
+<p:tagLst xmlns:a="http://schemas.openxmlformats.org/drawingml/2006/main" xmlns:r="http://schemas.openxmlformats.org/officeDocument/2006/relationships" xmlns:p="http://schemas.openxmlformats.org/presentationml/2006/main">
+  <p:tag name="TIMING" val="|0|0|0.1"/>
+</p:tagLst>
 </file>
 
 <file path=ppt/theme/theme1.xml><?xml version="1.0" encoding="utf-8"?>
